--- a/docs/advanced_programing_WSL.pptx
+++ b/docs/advanced_programing_WSL.pptx
@@ -21,7 +21,7 @@
     <p:sldId id="272" r:id="rId15"/>
     <p:sldId id="273" r:id="rId16"/>
     <p:sldId id="275" r:id="rId17"/>
-    <p:sldId id="276" r:id="rId18"/>
+    <p:sldId id="279" r:id="rId18"/>
     <p:sldId id="277" r:id="rId19"/>
   </p:sldIdLst>
   <p:sldSz cx="9144000" cy="6858000" type="screen4x3"/>
@@ -211,7 +211,7 @@
           <a:p>
             <a:fld id="{B2C5B074-A207-405D-9BBF-2086C16E54CC}" type="datetimeFigureOut">
               <a:rPr kumimoji="1" lang="ja-JP" altLang="en-US" smtClean="0"/>
-              <a:t>2020/5/29</a:t>
+              <a:t>2020/6/15</a:t>
             </a:fld>
             <a:endParaRPr kumimoji="1" lang="ja-JP" altLang="en-US"/>
           </a:p>
@@ -6123,8 +6123,20 @@
               </a:lnSpc>
             </a:pPr>
             <a:r>
+              <a:rPr lang="en-US" altLang="ja-JP" sz="2600" dirty="0" smtClean="0"/>
+              <a:t>WSL</a:t>
+            </a:r>
+            <a:r>
+              <a:rPr lang="ja-JP" altLang="en-US" sz="2600" dirty="0" smtClean="0"/>
+              <a:t> </a:t>
+            </a:r>
+            <a:r>
+              <a:rPr lang="en-US" altLang="ja-JP" sz="2600" dirty="0" smtClean="0"/>
+              <a:t>(</a:t>
+            </a:r>
+            <a:r>
               <a:rPr lang="en-US" altLang="ja-JP" sz="2600" dirty="0"/>
-              <a:t>WSL(Windows Subsystem for Linux)</a:t>
+              <a:t>Windows Subsystem for Linux)</a:t>
             </a:r>
           </a:p>
           <a:p>
@@ -6209,9 +6221,47 @@
             </a:r>
             <a:r>
               <a:rPr lang="ja-JP" altLang="en-US" sz="2400" dirty="0"/>
-              <a:t>」にチェックし有効化</a:t>
-            </a:r>
+              <a:t>」にチェックし</a:t>
+            </a:r>
+            <a:r>
+              <a:rPr lang="ja-JP" altLang="en-US" sz="2400" dirty="0" smtClean="0"/>
+              <a:t>有効化</a:t>
+            </a:r>
+            <a:endParaRPr lang="en-US" altLang="ja-JP" sz="2400" dirty="0" smtClean="0"/>
+          </a:p>
+          <a:p>
+            <a:pPr lvl="1">
+              <a:buFont typeface="Wingdings" panose="05000000000000000000" pitchFamily="2" charset="2"/>
+              <a:buChar char="l"/>
+            </a:pPr>
             <a:endParaRPr lang="en-US" altLang="ja-JP" sz="2400" dirty="0"/>
+          </a:p>
+          <a:p>
+            <a:pPr>
+              <a:buFont typeface="Wingdings" panose="05000000000000000000" pitchFamily="2" charset="2"/>
+              <a:buChar char="l"/>
+            </a:pPr>
+            <a:r>
+              <a:rPr lang="ja-JP" altLang="en-US" sz="2800" dirty="0" smtClean="0"/>
+              <a:t>なお，</a:t>
+            </a:r>
+            <a:r>
+              <a:rPr lang="en-US" altLang="ja-JP" sz="2800" dirty="0" smtClean="0"/>
+              <a:t>WSL1</a:t>
+            </a:r>
+            <a:r>
+              <a:rPr lang="ja-JP" altLang="en-US" sz="2800" dirty="0" smtClean="0"/>
+              <a:t>で動作確認しています．最新の</a:t>
+            </a:r>
+            <a:r>
+              <a:rPr lang="en-US" altLang="ja-JP" sz="2800" dirty="0" smtClean="0"/>
+              <a:t>WSL2</a:t>
+            </a:r>
+            <a:r>
+              <a:rPr lang="ja-JP" altLang="en-US" sz="2800" smtClean="0"/>
+              <a:t>で動くかどうかは未確認です（たぶん動く）．</a:t>
+            </a:r>
+            <a:endParaRPr lang="en-US" altLang="ja-JP" sz="2800" dirty="0"/>
           </a:p>
           <a:p>
             <a:pPr lvl="1">
@@ -6404,7 +6454,7 @@
                 <a:hlinkClick r:id="rId3">
                   <a:extLst>
                     <a:ext uri="{A12FA001-AC4F-418D-AE19-62706E023703}">
-                      <ahyp:hlinkClr xmlns:ahyp="http://schemas.microsoft.com/office/drawing/2018/hyperlinkcolor" xmlns="" val="tx"/>
+                      <ahyp:hlinkClr xmlns="" xmlns:ahyp="http://schemas.microsoft.com/office/drawing/2018/hyperlinkcolor" val="tx"/>
                     </a:ext>
                   </a:extLst>
                 </a:hlinkClick>
@@ -6966,63 +7016,11 @@
             </a:r>
             <a:r>
               <a:rPr lang="ja-JP" altLang="en-US" sz="2200" dirty="0"/>
-              <a:t>になっている場合は画像の読み込みがうまく動いていない可能性大</a:t>
-            </a:r>
-            <a:endParaRPr lang="en-US" altLang="ja-JP" sz="2200" dirty="0"/>
-          </a:p>
-          <a:p>
-            <a:pPr lvl="1">
-              <a:lnSpc>
-                <a:spcPct val="100000"/>
-              </a:lnSpc>
-            </a:pPr>
-            <a:r>
-              <a:rPr lang="ja-JP" altLang="en-US" sz="2200" dirty="0"/>
-              <a:t>元の</a:t>
-            </a:r>
-            <a:r>
-              <a:rPr lang="en-US" altLang="ja-JP" sz="2200" dirty="0" err="1"/>
-              <a:t>imageUtil.c</a:t>
-            </a:r>
-            <a:r>
-              <a:rPr lang="ja-JP" altLang="en-US" sz="2200" dirty="0"/>
-              <a:t>では</a:t>
-            </a:r>
-            <a:r>
-              <a:rPr lang="en-US" altLang="ja-JP" sz="2200" dirty="0"/>
-              <a:t>ppm</a:t>
-            </a:r>
-            <a:r>
-              <a:rPr lang="ja-JP" altLang="en-US" sz="2200" dirty="0"/>
-              <a:t>画像のコメントを</a:t>
-            </a:r>
-            <a:r>
-              <a:rPr lang="en-US" altLang="ja-JP" sz="2200" dirty="0"/>
-              <a:t>1</a:t>
-            </a:r>
-            <a:r>
-              <a:rPr lang="ja-JP" altLang="en-US" sz="2200" dirty="0"/>
-              <a:t>行しか想定していないのに対し，</a:t>
-            </a:r>
-            <a:r>
-              <a:rPr lang="en-US" altLang="ja-JP" sz="2200" dirty="0"/>
-              <a:t>convert</a:t>
-            </a:r>
-            <a:r>
-              <a:rPr lang="ja-JP" altLang="en-US" sz="2200" dirty="0"/>
-              <a:t>コマンドが自動的にコメントを付与するためコメントが複数行存在する</a:t>
-            </a:r>
-            <a:endParaRPr lang="en-US" altLang="ja-JP" sz="2200" dirty="0"/>
-          </a:p>
-          <a:p>
-            <a:pPr lvl="1">
-              <a:lnSpc>
-                <a:spcPct val="100000"/>
-              </a:lnSpc>
-            </a:pPr>
-            <a:r>
-              <a:rPr lang="ja-JP" altLang="en-US" sz="2200" dirty="0"/>
-              <a:t>適切にコメントの処理を書き換える</a:t>
+              <a:t>になっている場合は画像の読み込みがうまく動いていない可能性</a:t>
+            </a:r>
+            <a:r>
+              <a:rPr lang="ja-JP" altLang="en-US" sz="2200" dirty="0" smtClean="0"/>
+              <a:t>大</a:t>
             </a:r>
             <a:endParaRPr lang="en-US" altLang="ja-JP" sz="2200" dirty="0"/>
           </a:p>
@@ -7225,13 +7223,7 @@
       </p:grpSpPr>
       <p:sp>
         <p:nvSpPr>
-          <p:cNvPr id="2" name="コンテンツ プレースホルダー 1">
-            <a:extLst>
-              <a:ext uri="{FF2B5EF4-FFF2-40B4-BE49-F238E27FC236}">
-                <a16:creationId xmlns:a16="http://schemas.microsoft.com/office/drawing/2014/main" id="{F67405C7-0AC0-465A-B165-87D9A353326B}"/>
-              </a:ext>
-            </a:extLst>
-          </p:cNvPr>
+          <p:cNvPr id="2" name="コンテンツ プレースホルダー 1"/>
           <p:cNvSpPr>
             <a:spLocks noGrp="1"/>
           </p:cNvSpPr>
@@ -7245,21 +7237,58 @@
           <a:lstStyle/>
           <a:p>
             <a:r>
-              <a:rPr kumimoji="1" lang="ja-JP" altLang="en-US" dirty="0"/>
-              <a:t>適切なコメント処理</a:t>
-            </a:r>
-          </a:p>
-        </p:txBody>
-      </p:sp>
-      <p:sp>
-        <p:nvSpPr>
-          <p:cNvPr id="3" name="タイトル 2">
-            <a:extLst>
-              <a:ext uri="{FF2B5EF4-FFF2-40B4-BE49-F238E27FC236}">
-                <a16:creationId xmlns:a16="http://schemas.microsoft.com/office/drawing/2014/main" id="{B0A5E7D0-791E-4C08-B3CA-7129F05F500E}"/>
-              </a:ext>
-            </a:extLst>
-          </p:cNvPr>
+              <a:rPr lang="en-US" altLang="ja-JP" dirty="0" smtClean="0"/>
+              <a:t>WSL</a:t>
+            </a:r>
+            <a:r>
+              <a:rPr lang="ja-JP" altLang="en-US" dirty="0" smtClean="0"/>
+              <a:t>を使っているので，</a:t>
+            </a:r>
+            <a:r>
+              <a:rPr lang="en-US" altLang="ja-JP" dirty="0" smtClean="0"/>
+              <a:t>CUI</a:t>
+            </a:r>
+            <a:r>
+              <a:rPr lang="ja-JP" altLang="en-US" dirty="0" smtClean="0"/>
+              <a:t>ですべてやる必要はありません．</a:t>
+            </a:r>
+            <a:endParaRPr lang="en-US" altLang="ja-JP" dirty="0" smtClean="0"/>
+          </a:p>
+          <a:p>
+            <a:r>
+              <a:rPr kumimoji="1" lang="ja-JP" altLang="en-US" dirty="0" smtClean="0"/>
+              <a:t>慣れていない人がテキスト編集するときに</a:t>
+            </a:r>
+            <a:r>
+              <a:rPr kumimoji="1" lang="en-US" altLang="ja-JP" dirty="0" smtClean="0"/>
+              <a:t>CUI</a:t>
+            </a:r>
+            <a:r>
+              <a:rPr kumimoji="1" lang="ja-JP" altLang="en-US" dirty="0" smtClean="0"/>
+              <a:t>上ですべて</a:t>
+            </a:r>
+            <a:r>
+              <a:rPr lang="en-US" altLang="ja-JP" dirty="0" smtClean="0"/>
+              <a:t>vim</a:t>
+            </a:r>
+            <a:r>
+              <a:rPr lang="ja-JP" altLang="en-US" dirty="0" smtClean="0"/>
+              <a:t>で操作しようとしてはいけません．</a:t>
+            </a:r>
+            <a:endParaRPr lang="en-US" altLang="ja-JP" dirty="0" smtClean="0"/>
+          </a:p>
+          <a:p>
+            <a:r>
+              <a:rPr kumimoji="1" lang="ja-JP" altLang="en-US" dirty="0" smtClean="0"/>
+              <a:t>ファイルをマウントして慣れたエディタで編集してください．</a:t>
+            </a:r>
+            <a:endParaRPr kumimoji="1" lang="ja-JP" altLang="en-US" dirty="0"/>
+          </a:p>
+        </p:txBody>
+      </p:sp>
+      <p:sp>
+        <p:nvSpPr>
+          <p:cNvPr id="3" name="タイトル 2"/>
           <p:cNvSpPr>
             <a:spLocks noGrp="1"/>
           </p:cNvSpPr>
@@ -7273,21 +7302,16 @@
           <a:lstStyle/>
           <a:p>
             <a:r>
-              <a:rPr kumimoji="1" lang="ja-JP" altLang="en-US" dirty="0"/>
-              <a:t>その他</a:t>
-            </a:r>
-          </a:p>
-        </p:txBody>
-      </p:sp>
-      <p:sp>
-        <p:nvSpPr>
-          <p:cNvPr id="4" name="スライド番号プレースホルダー 3">
-            <a:extLst>
-              <a:ext uri="{FF2B5EF4-FFF2-40B4-BE49-F238E27FC236}">
-                <a16:creationId xmlns:a16="http://schemas.microsoft.com/office/drawing/2014/main" id="{B5898F50-680D-4236-AFF6-81AD87929828}"/>
-              </a:ext>
-            </a:extLst>
-          </p:cNvPr>
+              <a:rPr lang="ja-JP" altLang="en-US" dirty="0" smtClean="0"/>
+              <a:t>その他注意</a:t>
+            </a:r>
+            <a:endParaRPr kumimoji="1" lang="ja-JP" altLang="en-US" dirty="0"/>
+          </a:p>
+        </p:txBody>
+      </p:sp>
+      <p:sp>
+        <p:nvSpPr>
+          <p:cNvPr id="4" name="スライド番号プレースホルダー 3"/>
           <p:cNvSpPr>
             <a:spLocks noGrp="1"/>
           </p:cNvSpPr>
@@ -7309,789 +7333,10 @@
           </a:p>
         </p:txBody>
       </p:sp>
-      <p:sp>
-        <p:nvSpPr>
-          <p:cNvPr id="5" name="テキスト ボックス 4">
-            <a:extLst>
-              <a:ext uri="{FF2B5EF4-FFF2-40B4-BE49-F238E27FC236}">
-                <a16:creationId xmlns:a16="http://schemas.microsoft.com/office/drawing/2014/main" id="{CAC196EF-215F-4DF2-A0A8-93DF6035AA83}"/>
-              </a:ext>
-            </a:extLst>
-          </p:cNvPr>
-          <p:cNvSpPr txBox="1"/>
-          <p:nvPr/>
-        </p:nvSpPr>
-        <p:spPr>
-          <a:xfrm>
-            <a:off x="533471" y="2061787"/>
-            <a:ext cx="8113058" cy="3416320"/>
-          </a:xfrm>
-          <a:prstGeom prst="rect">
-            <a:avLst/>
-          </a:prstGeom>
-          <a:solidFill>
-            <a:schemeClr val="tx1"/>
-          </a:solidFill>
-        </p:spPr>
-        <p:txBody>
-          <a:bodyPr wrap="square" rtlCol="0">
-            <a:spAutoFit/>
-          </a:bodyPr>
-          <a:lstStyle/>
-          <a:p>
-            <a:r>
-              <a:rPr lang="ja-JP" altLang="en-US" dirty="0">
-                <a:solidFill>
-                  <a:schemeClr val="bg1"/>
-                </a:solidFill>
-              </a:rPr>
-              <a:t>   </a:t>
-            </a:r>
-            <a:r>
-              <a:rPr lang="ja-JP" altLang="en-US" dirty="0">
-                <a:solidFill>
-                  <a:schemeClr val="accent6">
-                    <a:lumMod val="60000"/>
-                    <a:lumOff val="40000"/>
-                  </a:schemeClr>
-                </a:solidFill>
-              </a:rPr>
-              <a:t> </a:t>
-            </a:r>
-            <a:r>
-              <a:rPr lang="en-US" altLang="ja-JP" dirty="0">
-                <a:solidFill>
-                  <a:schemeClr val="accent6">
-                    <a:lumMod val="60000"/>
-                    <a:lumOff val="40000"/>
-                  </a:schemeClr>
-                </a:solidFill>
-              </a:rPr>
-              <a:t>// </a:t>
-            </a:r>
-            <a:r>
-              <a:rPr lang="ja-JP" altLang="en-US" dirty="0">
-                <a:solidFill>
-                  <a:schemeClr val="accent6">
-                    <a:lumMod val="60000"/>
-                    <a:lumOff val="40000"/>
-                  </a:schemeClr>
-                </a:solidFill>
-              </a:rPr>
-              <a:t>変更前</a:t>
-            </a:r>
-          </a:p>
-          <a:p>
-            <a:r>
-              <a:rPr lang="ja-JP" altLang="en-US" dirty="0">
-                <a:solidFill>
-                  <a:schemeClr val="accent6">
-                    <a:lumMod val="60000"/>
-                    <a:lumOff val="40000"/>
-                  </a:schemeClr>
-                </a:solidFill>
-              </a:rPr>
-              <a:t>    </a:t>
-            </a:r>
-            <a:r>
-              <a:rPr lang="en-US" altLang="ja-JP" dirty="0">
-                <a:solidFill>
-                  <a:schemeClr val="accent6">
-                    <a:lumMod val="60000"/>
-                    <a:lumOff val="40000"/>
-                  </a:schemeClr>
-                </a:solidFill>
-              </a:rPr>
-              <a:t>// </a:t>
-            </a:r>
-            <a:r>
-              <a:rPr lang="en-US" altLang="ja-JP" dirty="0" err="1">
-                <a:solidFill>
-                  <a:schemeClr val="accent6">
-                    <a:lumMod val="60000"/>
-                    <a:lumOff val="40000"/>
-                  </a:schemeClr>
-                </a:solidFill>
-              </a:rPr>
-              <a:t>fscanf</a:t>
-            </a:r>
-            <a:r>
-              <a:rPr lang="en-US" altLang="ja-JP" dirty="0">
-                <a:solidFill>
-                  <a:schemeClr val="accent6">
-                    <a:lumMod val="60000"/>
-                    <a:lumOff val="40000"/>
-                  </a:schemeClr>
-                </a:solidFill>
-              </a:rPr>
-              <a:t>(</a:t>
-            </a:r>
-            <a:r>
-              <a:rPr lang="en-US" altLang="ja-JP" dirty="0" err="1">
-                <a:solidFill>
-                  <a:schemeClr val="accent6">
-                    <a:lumMod val="60000"/>
-                    <a:lumOff val="40000"/>
-                  </a:schemeClr>
-                </a:solidFill>
-              </a:rPr>
-              <a:t>fp</a:t>
-            </a:r>
-            <a:r>
-              <a:rPr lang="en-US" altLang="ja-JP" dirty="0">
-                <a:solidFill>
-                  <a:schemeClr val="accent6">
-                    <a:lumMod val="60000"/>
-                    <a:lumOff val="40000"/>
-                  </a:schemeClr>
-                </a:solidFill>
-              </a:rPr>
-              <a:t>, “%s”, buffer);</a:t>
-            </a:r>
-            <a:r>
-              <a:rPr lang="ja-JP" altLang="en-US" dirty="0">
-                <a:solidFill>
-                  <a:schemeClr val="accent6">
-                    <a:lumMod val="60000"/>
-                    <a:lumOff val="40000"/>
-                  </a:schemeClr>
-                </a:solidFill>
-              </a:rPr>
-              <a:t> </a:t>
-            </a:r>
-            <a:endParaRPr lang="en-US" altLang="ja-JP" dirty="0">
-              <a:solidFill>
-                <a:schemeClr val="accent6">
-                  <a:lumMod val="60000"/>
-                  <a:lumOff val="40000"/>
-                </a:schemeClr>
-              </a:solidFill>
-            </a:endParaRPr>
-          </a:p>
-          <a:p>
-            <a:r>
-              <a:rPr lang="ja-JP" altLang="en-US" dirty="0">
-                <a:solidFill>
-                  <a:schemeClr val="accent6">
-                    <a:lumMod val="60000"/>
-                    <a:lumOff val="40000"/>
-                  </a:schemeClr>
-                </a:solidFill>
-              </a:rPr>
-              <a:t>    </a:t>
-            </a:r>
-            <a:r>
-              <a:rPr lang="en-US" altLang="ja-JP" dirty="0">
-                <a:solidFill>
-                  <a:schemeClr val="accent6">
-                    <a:lumMod val="60000"/>
-                    <a:lumOff val="40000"/>
-                  </a:schemeClr>
-                </a:solidFill>
-              </a:rPr>
-              <a:t>// if (buffer[0] == '#')</a:t>
-            </a:r>
-            <a:r>
-              <a:rPr lang="en-US" altLang="ja-JP" dirty="0" err="1">
-                <a:solidFill>
-                  <a:schemeClr val="accent6">
-                    <a:lumMod val="60000"/>
-                    <a:lumOff val="40000"/>
-                  </a:schemeClr>
-                </a:solidFill>
-              </a:rPr>
-              <a:t>fgets</a:t>
-            </a:r>
-            <a:r>
-              <a:rPr lang="en-US" altLang="ja-JP" dirty="0">
-                <a:solidFill>
-                  <a:schemeClr val="accent6">
-                    <a:lumMod val="60000"/>
-                    <a:lumOff val="40000"/>
-                  </a:schemeClr>
-                </a:solidFill>
-              </a:rPr>
-              <a:t>(buffer, 256, </a:t>
-            </a:r>
-            <a:r>
-              <a:rPr lang="en-US" altLang="ja-JP" dirty="0" err="1">
-                <a:solidFill>
-                  <a:schemeClr val="accent6">
-                    <a:lumMod val="60000"/>
-                    <a:lumOff val="40000"/>
-                  </a:schemeClr>
-                </a:solidFill>
-              </a:rPr>
-              <a:t>fp</a:t>
-            </a:r>
-            <a:r>
-              <a:rPr lang="en-US" altLang="ja-JP" dirty="0">
-                <a:solidFill>
-                  <a:schemeClr val="accent6">
-                    <a:lumMod val="60000"/>
-                    <a:lumOff val="40000"/>
-                  </a:schemeClr>
-                </a:solidFill>
-              </a:rPr>
-              <a:t>);//skip comment</a:t>
-            </a:r>
-          </a:p>
-          <a:p>
-            <a:r>
-              <a:rPr lang="ja-JP" altLang="en-US" dirty="0">
-                <a:solidFill>
-                  <a:schemeClr val="accent6">
-                    <a:lumMod val="60000"/>
-                    <a:lumOff val="40000"/>
-                  </a:schemeClr>
-                </a:solidFill>
-              </a:rPr>
-              <a:t>    </a:t>
-            </a:r>
-            <a:r>
-              <a:rPr lang="en-US" altLang="ja-JP" dirty="0">
-                <a:solidFill>
-                  <a:schemeClr val="accent6">
-                    <a:lumMod val="60000"/>
-                    <a:lumOff val="40000"/>
-                  </a:schemeClr>
-                </a:solidFill>
-              </a:rPr>
-              <a:t>// </a:t>
-            </a:r>
-            <a:r>
-              <a:rPr lang="en-US" altLang="ja-JP" dirty="0" err="1">
-                <a:solidFill>
-                  <a:schemeClr val="accent6">
-                    <a:lumMod val="60000"/>
-                    <a:lumOff val="40000"/>
-                  </a:schemeClr>
-                </a:solidFill>
-              </a:rPr>
-              <a:t>fscanf</a:t>
-            </a:r>
-            <a:r>
-              <a:rPr lang="en-US" altLang="ja-JP" dirty="0">
-                <a:solidFill>
-                  <a:schemeClr val="accent6">
-                    <a:lumMod val="60000"/>
-                    <a:lumOff val="40000"/>
-                  </a:schemeClr>
-                </a:solidFill>
-              </a:rPr>
-              <a:t>(</a:t>
-            </a:r>
-            <a:r>
-              <a:rPr lang="en-US" altLang="ja-JP" dirty="0" err="1">
-                <a:solidFill>
-                  <a:schemeClr val="accent6">
-                    <a:lumMod val="60000"/>
-                    <a:lumOff val="40000"/>
-                  </a:schemeClr>
-                </a:solidFill>
-              </a:rPr>
-              <a:t>fp</a:t>
-            </a:r>
-            <a:r>
-              <a:rPr lang="en-US" altLang="ja-JP" dirty="0">
-                <a:solidFill>
-                  <a:schemeClr val="accent6">
-                    <a:lumMod val="60000"/>
-                    <a:lumOff val="40000"/>
-                  </a:schemeClr>
-                </a:solidFill>
-              </a:rPr>
-              <a:t>, "%d %d", &amp;</a:t>
-            </a:r>
-            <a:r>
-              <a:rPr lang="en-US" altLang="ja-JP" dirty="0" err="1">
-                <a:solidFill>
-                  <a:schemeClr val="accent6">
-                    <a:lumMod val="60000"/>
-                    <a:lumOff val="40000"/>
-                  </a:schemeClr>
-                </a:solidFill>
-              </a:rPr>
-              <a:t>dest</a:t>
-            </a:r>
-            <a:r>
-              <a:rPr lang="en-US" altLang="ja-JP" dirty="0">
-                <a:solidFill>
-                  <a:schemeClr val="accent6">
-                    <a:lumMod val="60000"/>
-                    <a:lumOff val="40000"/>
-                  </a:schemeClr>
-                </a:solidFill>
-              </a:rPr>
-              <a:t>-&gt;width, &amp;</a:t>
-            </a:r>
-            <a:r>
-              <a:rPr lang="en-US" altLang="ja-JP" dirty="0" err="1">
-                <a:solidFill>
-                  <a:schemeClr val="accent6">
-                    <a:lumMod val="60000"/>
-                    <a:lumOff val="40000"/>
-                  </a:schemeClr>
-                </a:solidFill>
-              </a:rPr>
-              <a:t>dest</a:t>
-            </a:r>
-            <a:r>
-              <a:rPr lang="en-US" altLang="ja-JP" dirty="0">
-                <a:solidFill>
-                  <a:schemeClr val="accent6">
-                    <a:lumMod val="60000"/>
-                    <a:lumOff val="40000"/>
-                  </a:schemeClr>
-                </a:solidFill>
-              </a:rPr>
-              <a:t>-&gt;height);</a:t>
-            </a:r>
-          </a:p>
-          <a:p>
-            <a:r>
-              <a:rPr lang="en-US" altLang="ja-JP" dirty="0">
-                <a:solidFill>
-                  <a:schemeClr val="bg1"/>
-                </a:solidFill>
-              </a:rPr>
-              <a:t>    </a:t>
-            </a:r>
-          </a:p>
-          <a:p>
-            <a:r>
-              <a:rPr lang="en-US" altLang="ja-JP" dirty="0">
-                <a:solidFill>
-                  <a:schemeClr val="bg1"/>
-                </a:solidFill>
-              </a:rPr>
-              <a:t>    </a:t>
-            </a:r>
-            <a:r>
-              <a:rPr lang="en-US" altLang="ja-JP" dirty="0">
-                <a:solidFill>
-                  <a:schemeClr val="accent6">
-                    <a:lumMod val="60000"/>
-                    <a:lumOff val="40000"/>
-                  </a:schemeClr>
-                </a:solidFill>
-              </a:rPr>
-              <a:t>// </a:t>
-            </a:r>
-            <a:r>
-              <a:rPr lang="ja-JP" altLang="en-US" dirty="0">
-                <a:solidFill>
-                  <a:schemeClr val="accent6">
-                    <a:lumMod val="60000"/>
-                    <a:lumOff val="40000"/>
-                  </a:schemeClr>
-                </a:solidFill>
-              </a:rPr>
-              <a:t>変更後</a:t>
-            </a:r>
-          </a:p>
-          <a:p>
-            <a:r>
-              <a:rPr lang="ja-JP" altLang="en-US" dirty="0">
-                <a:solidFill>
-                  <a:schemeClr val="bg1"/>
-                </a:solidFill>
-              </a:rPr>
-              <a:t>    </a:t>
-            </a:r>
-            <a:r>
-              <a:rPr lang="en-US" altLang="ja-JP" dirty="0" err="1">
-                <a:solidFill>
-                  <a:srgbClr val="FFFF00"/>
-                </a:solidFill>
-              </a:rPr>
-              <a:t>fgets</a:t>
-            </a:r>
-            <a:r>
-              <a:rPr lang="en-US" altLang="ja-JP" dirty="0">
-                <a:solidFill>
-                  <a:schemeClr val="bg1"/>
-                </a:solidFill>
-              </a:rPr>
-              <a:t>(buffer, </a:t>
-            </a:r>
-            <a:r>
-              <a:rPr lang="en-US" altLang="ja-JP" dirty="0">
-                <a:solidFill>
-                  <a:schemeClr val="accent6"/>
-                </a:solidFill>
-              </a:rPr>
-              <a:t>256</a:t>
-            </a:r>
-            <a:r>
-              <a:rPr lang="en-US" altLang="ja-JP" dirty="0">
-                <a:solidFill>
-                  <a:schemeClr val="bg1"/>
-                </a:solidFill>
-              </a:rPr>
-              <a:t>, </a:t>
-            </a:r>
-            <a:r>
-              <a:rPr lang="en-US" altLang="ja-JP" dirty="0" err="1">
-                <a:solidFill>
-                  <a:schemeClr val="bg1"/>
-                </a:solidFill>
-              </a:rPr>
-              <a:t>fp</a:t>
-            </a:r>
-            <a:r>
-              <a:rPr lang="en-US" altLang="ja-JP" dirty="0">
-                <a:solidFill>
-                  <a:schemeClr val="bg1"/>
-                </a:solidFill>
-              </a:rPr>
-              <a:t>); </a:t>
-            </a:r>
-            <a:r>
-              <a:rPr lang="en-US" altLang="ja-JP" dirty="0">
-                <a:solidFill>
-                  <a:schemeClr val="accent6">
-                    <a:lumMod val="60000"/>
-                    <a:lumOff val="40000"/>
-                  </a:schemeClr>
-                </a:solidFill>
-              </a:rPr>
-              <a:t>// </a:t>
-            </a:r>
-            <a:r>
-              <a:rPr lang="ja-JP" altLang="en-US" dirty="0">
-                <a:solidFill>
-                  <a:schemeClr val="accent6">
-                    <a:lumMod val="60000"/>
-                    <a:lumOff val="40000"/>
-                  </a:schemeClr>
-                </a:solidFill>
-              </a:rPr>
-              <a:t>前の行の改行コード分</a:t>
-            </a:r>
-          </a:p>
-          <a:p>
-            <a:r>
-              <a:rPr lang="ja-JP" altLang="en-US" dirty="0">
-                <a:solidFill>
-                  <a:schemeClr val="bg1"/>
-                </a:solidFill>
-              </a:rPr>
-              <a:t>    </a:t>
-            </a:r>
-            <a:r>
-              <a:rPr lang="en-US" altLang="ja-JP" dirty="0" err="1">
-                <a:solidFill>
-                  <a:srgbClr val="FFFF00"/>
-                </a:solidFill>
-              </a:rPr>
-              <a:t>fgets</a:t>
-            </a:r>
-            <a:r>
-              <a:rPr lang="en-US" altLang="ja-JP" dirty="0">
-                <a:solidFill>
-                  <a:schemeClr val="bg1"/>
-                </a:solidFill>
-              </a:rPr>
-              <a:t>(buffer, </a:t>
-            </a:r>
-            <a:r>
-              <a:rPr lang="en-US" altLang="ja-JP" dirty="0">
-                <a:solidFill>
-                  <a:schemeClr val="accent6"/>
-                </a:solidFill>
-              </a:rPr>
-              <a:t>256</a:t>
-            </a:r>
-            <a:r>
-              <a:rPr lang="en-US" altLang="ja-JP" dirty="0">
-                <a:solidFill>
-                  <a:schemeClr val="bg1"/>
-                </a:solidFill>
-              </a:rPr>
-              <a:t>, </a:t>
-            </a:r>
-            <a:r>
-              <a:rPr lang="en-US" altLang="ja-JP" dirty="0" err="1">
-                <a:solidFill>
-                  <a:schemeClr val="bg1"/>
-                </a:solidFill>
-              </a:rPr>
-              <a:t>fp</a:t>
-            </a:r>
-            <a:r>
-              <a:rPr lang="en-US" altLang="ja-JP" dirty="0">
-                <a:solidFill>
-                  <a:schemeClr val="bg1"/>
-                </a:solidFill>
-              </a:rPr>
-              <a:t>);</a:t>
-            </a:r>
-          </a:p>
-          <a:p>
-            <a:r>
-              <a:rPr lang="en-US" altLang="ja-JP" dirty="0">
-                <a:solidFill>
-                  <a:schemeClr val="bg1"/>
-                </a:solidFill>
-              </a:rPr>
-              <a:t>    </a:t>
-            </a:r>
-            <a:r>
-              <a:rPr lang="en-US" altLang="ja-JP" dirty="0">
-                <a:solidFill>
-                  <a:schemeClr val="accent3">
-                    <a:lumMod val="60000"/>
-                    <a:lumOff val="40000"/>
-                  </a:schemeClr>
-                </a:solidFill>
-              </a:rPr>
-              <a:t>while</a:t>
-            </a:r>
-            <a:r>
-              <a:rPr lang="en-US" altLang="ja-JP" dirty="0">
-                <a:solidFill>
-                  <a:schemeClr val="bg1"/>
-                </a:solidFill>
-              </a:rPr>
-              <a:t>(buffer[</a:t>
-            </a:r>
-            <a:r>
-              <a:rPr lang="en-US" altLang="ja-JP" dirty="0">
-                <a:solidFill>
-                  <a:schemeClr val="accent6"/>
-                </a:solidFill>
-              </a:rPr>
-              <a:t>0</a:t>
-            </a:r>
-            <a:r>
-              <a:rPr lang="en-US" altLang="ja-JP" dirty="0">
-                <a:solidFill>
-                  <a:schemeClr val="bg1"/>
-                </a:solidFill>
-              </a:rPr>
-              <a:t>] == </a:t>
-            </a:r>
-            <a:r>
-              <a:rPr lang="en-US" altLang="ja-JP" dirty="0">
-                <a:solidFill>
-                  <a:schemeClr val="accent2"/>
-                </a:solidFill>
-              </a:rPr>
-              <a:t>'#'</a:t>
-            </a:r>
-            <a:r>
-              <a:rPr lang="en-US" altLang="ja-JP" dirty="0">
-                <a:solidFill>
-                  <a:schemeClr val="bg1"/>
-                </a:solidFill>
-              </a:rPr>
-              <a:t>){</a:t>
-            </a:r>
-          </a:p>
-          <a:p>
-            <a:r>
-              <a:rPr lang="en-US" altLang="ja-JP" dirty="0">
-                <a:solidFill>
-                  <a:schemeClr val="bg1"/>
-                </a:solidFill>
-              </a:rPr>
-              <a:t>        </a:t>
-            </a:r>
-            <a:r>
-              <a:rPr lang="en-US" altLang="ja-JP" dirty="0" err="1">
-                <a:solidFill>
-                  <a:srgbClr val="FFFF00"/>
-                </a:solidFill>
-              </a:rPr>
-              <a:t>fgets</a:t>
-            </a:r>
-            <a:r>
-              <a:rPr lang="en-US" altLang="ja-JP" dirty="0">
-                <a:solidFill>
-                  <a:schemeClr val="bg1"/>
-                </a:solidFill>
-              </a:rPr>
-              <a:t>(buffer, </a:t>
-            </a:r>
-            <a:r>
-              <a:rPr lang="en-US" altLang="ja-JP" dirty="0">
-                <a:solidFill>
-                  <a:schemeClr val="accent6"/>
-                </a:solidFill>
-              </a:rPr>
-              <a:t>256</a:t>
-            </a:r>
-            <a:r>
-              <a:rPr lang="en-US" altLang="ja-JP" dirty="0">
-                <a:solidFill>
-                  <a:schemeClr val="bg1"/>
-                </a:solidFill>
-              </a:rPr>
-              <a:t>, </a:t>
-            </a:r>
-            <a:r>
-              <a:rPr lang="en-US" altLang="ja-JP" dirty="0" err="1">
-                <a:solidFill>
-                  <a:schemeClr val="bg1"/>
-                </a:solidFill>
-              </a:rPr>
-              <a:t>fp</a:t>
-            </a:r>
-            <a:r>
-              <a:rPr lang="en-US" altLang="ja-JP" dirty="0">
-                <a:solidFill>
-                  <a:schemeClr val="bg1"/>
-                </a:solidFill>
-              </a:rPr>
-              <a:t>); </a:t>
-            </a:r>
-            <a:r>
-              <a:rPr lang="en-US" altLang="ja-JP" dirty="0">
-                <a:solidFill>
-                  <a:schemeClr val="accent6">
-                    <a:lumMod val="60000"/>
-                    <a:lumOff val="40000"/>
-                  </a:schemeClr>
-                </a:solidFill>
-              </a:rPr>
-              <a:t>//skip comment</a:t>
-            </a:r>
-          </a:p>
-          <a:p>
-            <a:r>
-              <a:rPr lang="en-US" altLang="ja-JP" dirty="0">
-                <a:solidFill>
-                  <a:schemeClr val="bg1"/>
-                </a:solidFill>
-              </a:rPr>
-              <a:t>    }</a:t>
-            </a:r>
-          </a:p>
-          <a:p>
-            <a:r>
-              <a:rPr lang="en-US" altLang="ja-JP" dirty="0">
-                <a:solidFill>
-                  <a:schemeClr val="bg1"/>
-                </a:solidFill>
-              </a:rPr>
-              <a:t>    </a:t>
-            </a:r>
-            <a:r>
-              <a:rPr lang="en-US" altLang="ja-JP" dirty="0" err="1">
-                <a:solidFill>
-                  <a:srgbClr val="FFFF00"/>
-                </a:solidFill>
-              </a:rPr>
-              <a:t>sscanf</a:t>
-            </a:r>
-            <a:r>
-              <a:rPr lang="en-US" altLang="ja-JP" dirty="0">
-                <a:solidFill>
-                  <a:schemeClr val="bg1"/>
-                </a:solidFill>
-              </a:rPr>
-              <a:t>(buffer,</a:t>
-            </a:r>
-            <a:r>
-              <a:rPr lang="en-US" altLang="ja-JP" dirty="0">
-                <a:solidFill>
-                  <a:schemeClr val="accent2"/>
-                </a:solidFill>
-              </a:rPr>
-              <a:t> "%d %d"</a:t>
-            </a:r>
-            <a:r>
-              <a:rPr lang="en-US" altLang="ja-JP" dirty="0">
-                <a:solidFill>
-                  <a:schemeClr val="bg1"/>
-                </a:solidFill>
-              </a:rPr>
-              <a:t>, &amp;</a:t>
-            </a:r>
-            <a:r>
-              <a:rPr lang="en-US" altLang="ja-JP" dirty="0" err="1">
-                <a:solidFill>
-                  <a:schemeClr val="accent1">
-                    <a:lumMod val="60000"/>
-                    <a:lumOff val="40000"/>
-                  </a:schemeClr>
-                </a:solidFill>
-              </a:rPr>
-              <a:t>dest</a:t>
-            </a:r>
-            <a:r>
-              <a:rPr lang="en-US" altLang="ja-JP" dirty="0">
-                <a:solidFill>
-                  <a:schemeClr val="bg1"/>
-                </a:solidFill>
-              </a:rPr>
-              <a:t>-&gt;</a:t>
-            </a:r>
-            <a:r>
-              <a:rPr lang="en-US" altLang="ja-JP" dirty="0">
-                <a:solidFill>
-                  <a:schemeClr val="accent1">
-                    <a:lumMod val="60000"/>
-                    <a:lumOff val="40000"/>
-                  </a:schemeClr>
-                </a:solidFill>
-              </a:rPr>
-              <a:t>width</a:t>
-            </a:r>
-            <a:r>
-              <a:rPr lang="en-US" altLang="ja-JP" dirty="0">
-                <a:solidFill>
-                  <a:schemeClr val="bg1"/>
-                </a:solidFill>
-              </a:rPr>
-              <a:t>, &amp;</a:t>
-            </a:r>
-            <a:r>
-              <a:rPr lang="en-US" altLang="ja-JP" dirty="0" err="1">
-                <a:solidFill>
-                  <a:schemeClr val="accent1">
-                    <a:lumMod val="60000"/>
-                    <a:lumOff val="40000"/>
-                  </a:schemeClr>
-                </a:solidFill>
-              </a:rPr>
-              <a:t>dest</a:t>
-            </a:r>
-            <a:r>
-              <a:rPr lang="en-US" altLang="ja-JP" dirty="0">
-                <a:solidFill>
-                  <a:schemeClr val="bg1"/>
-                </a:solidFill>
-              </a:rPr>
-              <a:t>-&gt;</a:t>
-            </a:r>
-            <a:r>
-              <a:rPr lang="en-US" altLang="ja-JP" dirty="0">
-                <a:solidFill>
-                  <a:schemeClr val="accent1">
-                    <a:lumMod val="60000"/>
-                    <a:lumOff val="40000"/>
-                  </a:schemeClr>
-                </a:solidFill>
-              </a:rPr>
-              <a:t>height</a:t>
-            </a:r>
-            <a:r>
-              <a:rPr lang="en-US" altLang="ja-JP" dirty="0">
-                <a:solidFill>
-                  <a:schemeClr val="bg1"/>
-                </a:solidFill>
-              </a:rPr>
-              <a:t>);</a:t>
-            </a:r>
-          </a:p>
-        </p:txBody>
-      </p:sp>
     </p:spTree>
     <p:extLst>
       <p:ext uri="{BB962C8B-B14F-4D97-AF65-F5344CB8AC3E}">
-        <p14:creationId xmlns:p14="http://schemas.microsoft.com/office/powerpoint/2010/main" val="1150040459"/>
+        <p14:creationId xmlns:p14="http://schemas.microsoft.com/office/powerpoint/2010/main" val="973344670"/>
       </p:ext>
     </p:extLst>
   </p:cSld>
@@ -8912,11 +8157,7 @@
             </a:r>
             <a:r>
               <a:rPr lang="ja-JP" altLang="en-US" dirty="0"/>
-              <a:t>の</a:t>
-            </a:r>
-            <a:r>
-              <a:rPr lang="ja-JP" altLang="en-US" dirty="0"/>
-              <a:t>セットアップ</a:t>
+              <a:t>のセットアップ</a:t>
             </a:r>
             <a:r>
               <a:rPr lang="ja-JP" altLang="en-US" dirty="0" smtClean="0"/>
@@ -9173,11 +8414,7 @@
             </a:r>
             <a:r>
               <a:rPr lang="ja-JP" altLang="en-US" dirty="0"/>
-              <a:t>の</a:t>
-            </a:r>
-            <a:r>
-              <a:rPr lang="ja-JP" altLang="en-US" dirty="0"/>
-              <a:t>セットアップ</a:t>
+              <a:t>のセットアップ</a:t>
             </a:r>
             <a:r>
               <a:rPr lang="ja-JP" altLang="en-US" dirty="0" smtClean="0"/>
@@ -11641,12 +10878,6 @@
 </file>
 
 <file path=customXml/item1.xml><?xml version="1.0" encoding="utf-8"?>
-<p:properties xmlns:p="http://schemas.microsoft.com/office/2006/metadata/properties" xmlns:xsi="http://www.w3.org/2001/XMLSchema-instance" xmlns:pc="http://schemas.microsoft.com/office/infopath/2007/PartnerControls">
-  <documentManagement/>
-</p:properties>
-</file>
-
-<file path=customXml/item2.xml><?xml version="1.0" encoding="utf-8"?>
 <ct:contentTypeSchema xmlns:ct="http://schemas.microsoft.com/office/2006/metadata/contentType" xmlns:ma="http://schemas.microsoft.com/office/2006/metadata/properties/metaAttributes" ct:_="" ma:_="" ma:contentTypeName="ドキュメント" ma:contentTypeID="0x01010050E4D67F37825F4CA88E97BCD90B0E56" ma:contentTypeVersion="5" ma:contentTypeDescription="新しいドキュメントを作成します。" ma:contentTypeScope="" ma:versionID="a5c9a65f96bc42104e897c1946f39a9d">
   <xsd:schema xmlns:xsd="http://www.w3.org/2001/XMLSchema" xmlns:xs="http://www.w3.org/2001/XMLSchema" xmlns:p="http://schemas.microsoft.com/office/2006/metadata/properties" xmlns:ns3="433e299c-673a-4ef5-9fdd-a2751d50045c" targetNamespace="http://schemas.microsoft.com/office/2006/metadata/properties" ma:root="true" ma:fieldsID="6fce834f59d0791b808bf6ae7b9de460" ns3:_="">
     <xsd:import namespace="433e299c-673a-4ef5-9fdd-a2751d50045c"/>
@@ -11796,6 +11027,12 @@
 </ct:contentTypeSchema>
 </file>
 
+<file path=customXml/item2.xml><?xml version="1.0" encoding="utf-8"?>
+<p:properties xmlns:p="http://schemas.microsoft.com/office/2006/metadata/properties" xmlns:xsi="http://www.w3.org/2001/XMLSchema-instance" xmlns:pc="http://schemas.microsoft.com/office/infopath/2007/PartnerControls">
+  <documentManagement/>
+</p:properties>
+</file>
+
 <file path=customXml/item3.xml><?xml version="1.0" encoding="utf-8"?>
 <?mso-contentType ?>
 <FormTemplates xmlns="http://schemas.microsoft.com/sharepoint/v3/contenttype/forms">
@@ -11806,22 +11043,6 @@
 </file>
 
 <file path=customXml/itemProps1.xml><?xml version="1.0" encoding="utf-8"?>
-<ds:datastoreItem xmlns:ds="http://schemas.openxmlformats.org/officeDocument/2006/customXml" ds:itemID="{0D36512E-B42F-42AB-A4F6-E54C10E36FB1}">
-  <ds:schemaRefs>
-    <ds:schemaRef ds:uri="http://schemas.openxmlformats.org/package/2006/metadata/core-properties"/>
-    <ds:schemaRef ds:uri="http://schemas.microsoft.com/office/2006/documentManagement/types"/>
-    <ds:schemaRef ds:uri="http://purl.org/dc/terms/"/>
-    <ds:schemaRef ds:uri="http://schemas.microsoft.com/office/2006/metadata/properties"/>
-    <ds:schemaRef ds:uri="http://www.w3.org/XML/1998/namespace"/>
-    <ds:schemaRef ds:uri="http://purl.org/dc/elements/1.1/"/>
-    <ds:schemaRef ds:uri="http://schemas.microsoft.com/office/infopath/2007/PartnerControls"/>
-    <ds:schemaRef ds:uri="433e299c-673a-4ef5-9fdd-a2751d50045c"/>
-    <ds:schemaRef ds:uri="http://purl.org/dc/dcmitype/"/>
-  </ds:schemaRefs>
-</ds:datastoreItem>
-</file>
-
-<file path=customXml/itemProps2.xml><?xml version="1.0" encoding="utf-8"?>
 <ds:datastoreItem xmlns:ds="http://schemas.openxmlformats.org/officeDocument/2006/customXml" ds:itemID="{FC83845C-78B5-4A2D-885F-2B49F2A2E543}">
   <ds:schemaRefs>
     <ds:schemaRef ds:uri="http://schemas.microsoft.com/office/2006/metadata/contentType"/>
@@ -11839,6 +11060,22 @@
 </ds:datastoreItem>
 </file>
 
+<file path=customXml/itemProps2.xml><?xml version="1.0" encoding="utf-8"?>
+<ds:datastoreItem xmlns:ds="http://schemas.openxmlformats.org/officeDocument/2006/customXml" ds:itemID="{0D36512E-B42F-42AB-A4F6-E54C10E36FB1}">
+  <ds:schemaRefs>
+    <ds:schemaRef ds:uri="http://schemas.openxmlformats.org/package/2006/metadata/core-properties"/>
+    <ds:schemaRef ds:uri="http://schemas.microsoft.com/office/2006/documentManagement/types"/>
+    <ds:schemaRef ds:uri="http://purl.org/dc/terms/"/>
+    <ds:schemaRef ds:uri="http://schemas.microsoft.com/office/2006/metadata/properties"/>
+    <ds:schemaRef ds:uri="http://www.w3.org/XML/1998/namespace"/>
+    <ds:schemaRef ds:uri="http://purl.org/dc/elements/1.1/"/>
+    <ds:schemaRef ds:uri="http://schemas.microsoft.com/office/infopath/2007/PartnerControls"/>
+    <ds:schemaRef ds:uri="433e299c-673a-4ef5-9fdd-a2751d50045c"/>
+    <ds:schemaRef ds:uri="http://purl.org/dc/dcmitype/"/>
+  </ds:schemaRefs>
+</ds:datastoreItem>
+</file>
+
 <file path=customXml/itemProps3.xml><?xml version="1.0" encoding="utf-8"?>
 <ds:datastoreItem xmlns:ds="http://schemas.openxmlformats.org/officeDocument/2006/customXml" ds:itemID="{11F53AFF-D272-438E-92E6-BD98E0DC0FE1}">
   <ds:schemaRefs>
